--- a/files/teaching-resources/concordiacollege-bus-201/bus-201-lecture-note/bus201-ch09.pptx
+++ b/files/teaching-resources/concordiacollege-bus-201/bus-201-lecture-note/bus201-ch09.pptx
@@ -240,7 +240,7 @@
           <a:p>
             <a:fld id="{2D359EC7-19C7-4638-A61A-0E2B59861576}" type="datetimeFigureOut">
               <a:rPr lang="en-US" smtClean="0"/>
-              <a:t>10/10/2025</a:t>
+              <a:t>10/16/2025</a:t>
             </a:fld>
             <a:endParaRPr lang="en-US"/>
           </a:p>
@@ -686,7 +686,7 @@
           <a:p>
             <a:fld id="{5BCAD085-E8A6-8845-BD4E-CB4CCA059FC4}" type="datetimeFigureOut">
               <a:rPr lang="en-US" smtClean="0"/>
-              <a:t>10/10/2025</a:t>
+              <a:t>10/16/2025</a:t>
             </a:fld>
             <a:endParaRPr lang="en-US"/>
           </a:p>
@@ -854,7 +854,7 @@
           <a:p>
             <a:fld id="{5BCAD085-E8A6-8845-BD4E-CB4CCA059FC4}" type="datetimeFigureOut">
               <a:rPr lang="en-US" smtClean="0"/>
-              <a:t>10/10/2025</a:t>
+              <a:t>10/16/2025</a:t>
             </a:fld>
             <a:endParaRPr lang="en-US"/>
           </a:p>
@@ -1032,7 +1032,7 @@
           <a:p>
             <a:fld id="{5BCAD085-E8A6-8845-BD4E-CB4CCA059FC4}" type="datetimeFigureOut">
               <a:rPr lang="en-US" smtClean="0"/>
-              <a:t>10/10/2025</a:t>
+              <a:t>10/16/2025</a:t>
             </a:fld>
             <a:endParaRPr lang="en-US"/>
           </a:p>
@@ -1200,7 +1200,7 @@
           <a:p>
             <a:fld id="{5BCAD085-E8A6-8845-BD4E-CB4CCA059FC4}" type="datetimeFigureOut">
               <a:rPr lang="en-US" smtClean="0"/>
-              <a:t>10/10/2025</a:t>
+              <a:t>10/16/2025</a:t>
             </a:fld>
             <a:endParaRPr lang="en-US"/>
           </a:p>
@@ -1445,7 +1445,7 @@
           <a:p>
             <a:fld id="{5BCAD085-E8A6-8845-BD4E-CB4CCA059FC4}" type="datetimeFigureOut">
               <a:rPr lang="en-US" smtClean="0"/>
-              <a:t>10/10/2025</a:t>
+              <a:t>10/16/2025</a:t>
             </a:fld>
             <a:endParaRPr lang="en-US"/>
           </a:p>
@@ -1730,7 +1730,7 @@
           <a:p>
             <a:fld id="{5BCAD085-E8A6-8845-BD4E-CB4CCA059FC4}" type="datetimeFigureOut">
               <a:rPr lang="en-US" smtClean="0"/>
-              <a:t>10/10/2025</a:t>
+              <a:t>10/16/2025</a:t>
             </a:fld>
             <a:endParaRPr lang="en-US"/>
           </a:p>
@@ -2149,7 +2149,7 @@
           <a:p>
             <a:fld id="{5BCAD085-E8A6-8845-BD4E-CB4CCA059FC4}" type="datetimeFigureOut">
               <a:rPr lang="en-US" smtClean="0"/>
-              <a:t>10/10/2025</a:t>
+              <a:t>10/16/2025</a:t>
             </a:fld>
             <a:endParaRPr lang="en-US"/>
           </a:p>
@@ -2266,7 +2266,7 @@
           <a:p>
             <a:fld id="{5BCAD085-E8A6-8845-BD4E-CB4CCA059FC4}" type="datetimeFigureOut">
               <a:rPr lang="en-US" smtClean="0"/>
-              <a:t>10/10/2025</a:t>
+              <a:t>10/16/2025</a:t>
             </a:fld>
             <a:endParaRPr lang="en-US"/>
           </a:p>
@@ -2361,7 +2361,7 @@
           <a:p>
             <a:fld id="{5BCAD085-E8A6-8845-BD4E-CB4CCA059FC4}" type="datetimeFigureOut">
               <a:rPr lang="en-US" smtClean="0"/>
-              <a:t>10/10/2025</a:t>
+              <a:t>10/16/2025</a:t>
             </a:fld>
             <a:endParaRPr lang="en-US"/>
           </a:p>
@@ -2636,7 +2636,7 @@
           <a:p>
             <a:fld id="{5BCAD085-E8A6-8845-BD4E-CB4CCA059FC4}" type="datetimeFigureOut">
               <a:rPr lang="en-US" smtClean="0"/>
-              <a:t>10/10/2025</a:t>
+              <a:t>10/16/2025</a:t>
             </a:fld>
             <a:endParaRPr lang="en-US"/>
           </a:p>
@@ -2888,7 +2888,7 @@
           <a:p>
             <a:fld id="{5BCAD085-E8A6-8845-BD4E-CB4CCA059FC4}" type="datetimeFigureOut">
               <a:rPr lang="en-US" smtClean="0"/>
-              <a:t>10/10/2025</a:t>
+              <a:t>10/16/2025</a:t>
             </a:fld>
             <a:endParaRPr lang="en-US"/>
           </a:p>
@@ -3099,7 +3099,7 @@
           <a:p>
             <a:fld id="{5BCAD085-E8A6-8845-BD4E-CB4CCA059FC4}" type="datetimeFigureOut">
               <a:rPr lang="en-US" smtClean="0"/>
-              <a:t>10/10/2025</a:t>
+              <a:t>10/16/2025</a:t>
             </a:fld>
             <a:endParaRPr lang="en-US"/>
           </a:p>
@@ -30564,23 +30564,6 @@
               <a:t>However, this argument is often used by industries seeking protection for profit rather than genuine security needs.</a:t>
             </a:r>
           </a:p>
-          <a:p>
-            <a:pPr lvl="1">
-              <a:spcBef>
-                <a:spcPts val="576"/>
-              </a:spcBef>
-              <a:defRPr sz="2000">
-                <a:solidFill>
-                  <a:srgbClr val="000000"/>
-                </a:solidFill>
-                <a:latin typeface="Garamond"/>
-              </a:defRPr>
-            </a:pPr>
-            <a:r>
-              <a:rPr lang="en-US" altLang="zh-TW" sz="2000" dirty="0"/>
-              <a:t>Lower-cost imports can even benefit the military by reducing the cost of obtaining essential materials.</a:t>
-            </a:r>
-          </a:p>
         </p:txBody>
       </p:sp>
       <p:pic>
@@ -30977,67 +30960,6 @@
                                           <p:spTgt spid="3">
                                             <p:txEl>
                                               <p:pRg st="4" end="4"/>
-                                            </p:txEl>
-                                          </p:spTgt>
-                                        </p:tgtEl>
-                                      </p:cBhvr>
-                                    </p:animEffect>
-                                  </p:childTnLst>
-                                </p:cTn>
-                              </p:par>
-                            </p:childTnLst>
-                          </p:cTn>
-                        </p:par>
-                      </p:childTnLst>
-                    </p:cTn>
-                  </p:par>
-                  <p:par>
-                    <p:cTn id="31" fill="hold">
-                      <p:stCondLst>
-                        <p:cond delay="indefinite"/>
-                      </p:stCondLst>
-                      <p:childTnLst>
-                        <p:par>
-                          <p:cTn id="32" fill="hold">
-                            <p:stCondLst>
-                              <p:cond delay="0"/>
-                            </p:stCondLst>
-                            <p:childTnLst>
-                              <p:par>
-                                <p:cTn id="33" presetID="10" presetClass="entr" presetSubtype="0" fill="hold" nodeType="clickEffect">
-                                  <p:stCondLst>
-                                    <p:cond delay="0"/>
-                                  </p:stCondLst>
-                                  <p:childTnLst>
-                                    <p:set>
-                                      <p:cBhvr>
-                                        <p:cTn id="34" dur="1" fill="hold">
-                                          <p:stCondLst>
-                                            <p:cond delay="0"/>
-                                          </p:stCondLst>
-                                        </p:cTn>
-                                        <p:tgtEl>
-                                          <p:spTgt spid="3">
-                                            <p:txEl>
-                                              <p:pRg st="5" end="5"/>
-                                            </p:txEl>
-                                          </p:spTgt>
-                                        </p:tgtEl>
-                                        <p:attrNameLst>
-                                          <p:attrName>style.visibility</p:attrName>
-                                        </p:attrNameLst>
-                                      </p:cBhvr>
-                                      <p:to>
-                                        <p:strVal val="visible"/>
-                                      </p:to>
-                                    </p:set>
-                                    <p:animEffect transition="in" filter="fade">
-                                      <p:cBhvr>
-                                        <p:cTn id="35" dur="500"/>
-                                        <p:tgtEl>
-                                          <p:spTgt spid="3">
-                                            <p:txEl>
-                                              <p:pRg st="5" end="5"/>
                                             </p:txEl>
                                           </p:spTgt>
                                         </p:tgtEl>
